--- a/2019_Flu_Season_Forecast.pptx
+++ b/2019_Flu_Season_Forecast.pptx
@@ -9,11 +9,17 @@
     <p:sldId id="256" r:id="rId3"/>
     <p:sldId id="257" r:id="rId4"/>
     <p:sldId id="258" r:id="rId5"/>
-    <p:sldId id="259" r:id="rId6"/>
-    <p:sldId id="260" r:id="rId7"/>
-    <p:sldId id="261" r:id="rId8"/>
-    <p:sldId id="262" r:id="rId9"/>
-    <p:sldId id="263" r:id="rId10"/>
+    <p:sldId id="264" r:id="rId6"/>
+    <p:sldId id="259" r:id="rId7"/>
+    <p:sldId id="260" r:id="rId8"/>
+    <p:sldId id="266" r:id="rId9"/>
+    <p:sldId id="267" r:id="rId10"/>
+    <p:sldId id="268" r:id="rId11"/>
+    <p:sldId id="269" r:id="rId12"/>
+    <p:sldId id="261" r:id="rId13"/>
+    <p:sldId id="262" r:id="rId14"/>
+    <p:sldId id="263" r:id="rId15"/>
+    <p:sldId id="265" r:id="rId16"/>
   </p:sldIdLst>
   <p:sldSz cx="12192000" cy="6858000"/>
   <p:notesSz cx="6858000" cy="9144000"/>
@@ -9133,6 +9139,417 @@
 </p:sld>
 </file>
 
+<file path=ppt/slides/slide10.xml><?xml version="1.0" encoding="utf-8"?>
+<p:sld xmlns:a="http://schemas.openxmlformats.org/drawingml/2006/main" xmlns:r="http://schemas.openxmlformats.org/officeDocument/2006/relationships" xmlns:p="http://schemas.openxmlformats.org/presentationml/2006/main">
+  <p:cSld>
+    <p:spTree>
+      <p:nvGrpSpPr>
+        <p:cNvPr id="1" name=""/>
+        <p:cNvGrpSpPr/>
+        <p:nvPr/>
+      </p:nvGrpSpPr>
+      <p:grpSpPr>
+        <a:xfrm>
+          <a:off x="0" y="0"/>
+          <a:ext cx="0" cy="0"/>
+          <a:chOff x="0" y="0"/>
+          <a:chExt cx="0" cy="0"/>
+        </a:xfrm>
+      </p:grpSpPr>
+      <p:sp>
+        <p:nvSpPr>
+          <p:cNvPr id="2" name="Title 1">
+            <a:extLst>
+              <a:ext uri="{FF2B5EF4-FFF2-40B4-BE49-F238E27FC236}">
+                <a16:creationId xmlns:a16="http://schemas.microsoft.com/office/drawing/2014/main" id="{23667914-22C9-4CAC-8715-02AA8D95C091}"/>
+              </a:ext>
+            </a:extLst>
+          </p:cNvPr>
+          <p:cNvSpPr>
+            <a:spLocks noGrp="1"/>
+          </p:cNvSpPr>
+          <p:nvPr>
+            <p:ph type="title"/>
+          </p:nvPr>
+        </p:nvSpPr>
+        <p:spPr/>
+        <p:txBody>
+          <a:bodyPr/>
+          <a:lstStyle/>
+          <a:p>
+            <a:endParaRPr lang="en-US"/>
+          </a:p>
+        </p:txBody>
+      </p:sp>
+      <p:sp>
+        <p:nvSpPr>
+          <p:cNvPr id="3" name="Content Placeholder 2">
+            <a:extLst>
+              <a:ext uri="{FF2B5EF4-FFF2-40B4-BE49-F238E27FC236}">
+                <a16:creationId xmlns:a16="http://schemas.microsoft.com/office/drawing/2014/main" id="{898DED11-37D5-4F07-97F2-8CD25525F593}"/>
+              </a:ext>
+            </a:extLst>
+          </p:cNvPr>
+          <p:cNvSpPr>
+            <a:spLocks noGrp="1"/>
+          </p:cNvSpPr>
+          <p:nvPr>
+            <p:ph idx="1"/>
+          </p:nvPr>
+        </p:nvSpPr>
+        <p:spPr/>
+        <p:txBody>
+          <a:bodyPr/>
+          <a:lstStyle/>
+          <a:p>
+            <a:endParaRPr lang="en-US"/>
+          </a:p>
+        </p:txBody>
+      </p:sp>
+    </p:spTree>
+    <p:extLst>
+      <p:ext uri="{BB962C8B-B14F-4D97-AF65-F5344CB8AC3E}">
+        <p14:creationId xmlns:p14="http://schemas.microsoft.com/office/powerpoint/2010/main" val="962073356"/>
+      </p:ext>
+    </p:extLst>
+  </p:cSld>
+  <p:clrMapOvr>
+    <a:masterClrMapping/>
+  </p:clrMapOvr>
+</p:sld>
+</file>
+
+<file path=ppt/slides/slide11.xml><?xml version="1.0" encoding="utf-8"?>
+<p:sld xmlns:a="http://schemas.openxmlformats.org/drawingml/2006/main" xmlns:r="http://schemas.openxmlformats.org/officeDocument/2006/relationships" xmlns:p="http://schemas.openxmlformats.org/presentationml/2006/main">
+  <p:cSld>
+    <p:spTree>
+      <p:nvGrpSpPr>
+        <p:cNvPr id="1" name=""/>
+        <p:cNvGrpSpPr/>
+        <p:nvPr/>
+      </p:nvGrpSpPr>
+      <p:grpSpPr>
+        <a:xfrm>
+          <a:off x="0" y="0"/>
+          <a:ext cx="0" cy="0"/>
+          <a:chOff x="0" y="0"/>
+          <a:chExt cx="0" cy="0"/>
+        </a:xfrm>
+      </p:grpSpPr>
+      <p:sp>
+        <p:nvSpPr>
+          <p:cNvPr id="2" name="Title 1">
+            <a:extLst>
+              <a:ext uri="{FF2B5EF4-FFF2-40B4-BE49-F238E27FC236}">
+                <a16:creationId xmlns:a16="http://schemas.microsoft.com/office/drawing/2014/main" id="{2B79D637-1C4A-41B4-8F08-3427874E8F9F}"/>
+              </a:ext>
+            </a:extLst>
+          </p:cNvPr>
+          <p:cNvSpPr>
+            <a:spLocks noGrp="1"/>
+          </p:cNvSpPr>
+          <p:nvPr>
+            <p:ph type="title"/>
+          </p:nvPr>
+        </p:nvSpPr>
+        <p:spPr/>
+        <p:txBody>
+          <a:bodyPr/>
+          <a:lstStyle/>
+          <a:p>
+            <a:r>
+              <a:rPr lang="en-US" dirty="0"/>
+              <a:t>Model of Flu Data</a:t>
+            </a:r>
+          </a:p>
+        </p:txBody>
+      </p:sp>
+      <p:sp>
+        <p:nvSpPr>
+          <p:cNvPr id="3" name="Content Placeholder 2">
+            <a:extLst>
+              <a:ext uri="{FF2B5EF4-FFF2-40B4-BE49-F238E27FC236}">
+                <a16:creationId xmlns:a16="http://schemas.microsoft.com/office/drawing/2014/main" id="{39D8A681-025C-49F1-8A0C-64A906755EA6}"/>
+              </a:ext>
+            </a:extLst>
+          </p:cNvPr>
+          <p:cNvSpPr>
+            <a:spLocks noGrp="1"/>
+          </p:cNvSpPr>
+          <p:nvPr>
+            <p:ph idx="1"/>
+          </p:nvPr>
+        </p:nvSpPr>
+        <p:spPr/>
+        <p:txBody>
+          <a:bodyPr/>
+          <a:lstStyle/>
+          <a:p>
+            <a:endParaRPr lang="en-US"/>
+          </a:p>
+        </p:txBody>
+      </p:sp>
+    </p:spTree>
+    <p:extLst>
+      <p:ext uri="{BB962C8B-B14F-4D97-AF65-F5344CB8AC3E}">
+        <p14:creationId xmlns:p14="http://schemas.microsoft.com/office/powerpoint/2010/main" val="3492720234"/>
+      </p:ext>
+    </p:extLst>
+  </p:cSld>
+  <p:clrMapOvr>
+    <a:masterClrMapping/>
+  </p:clrMapOvr>
+</p:sld>
+</file>
+
+<file path=ppt/slides/slide12.xml><?xml version="1.0" encoding="utf-8"?>
+<p:sld xmlns:a="http://schemas.openxmlformats.org/drawingml/2006/main" xmlns:r="http://schemas.openxmlformats.org/officeDocument/2006/relationships" xmlns:p="http://schemas.openxmlformats.org/presentationml/2006/main">
+  <p:cSld>
+    <p:spTree>
+      <p:nvGrpSpPr>
+        <p:cNvPr id="1" name=""/>
+        <p:cNvGrpSpPr/>
+        <p:nvPr/>
+      </p:nvGrpSpPr>
+      <p:grpSpPr>
+        <a:xfrm>
+          <a:off x="0" y="0"/>
+          <a:ext cx="0" cy="0"/>
+          <a:chOff x="0" y="0"/>
+          <a:chExt cx="0" cy="0"/>
+        </a:xfrm>
+      </p:grpSpPr>
+      <p:sp>
+        <p:nvSpPr>
+          <p:cNvPr id="2" name="Title 1">
+            <a:extLst>
+              <a:ext uri="{FF2B5EF4-FFF2-40B4-BE49-F238E27FC236}">
+                <a16:creationId xmlns:a16="http://schemas.microsoft.com/office/drawing/2014/main" id="{DC8963B3-E817-430D-9BEE-E0F2BE19BBB0}"/>
+              </a:ext>
+            </a:extLst>
+          </p:cNvPr>
+          <p:cNvSpPr>
+            <a:spLocks noGrp="1"/>
+          </p:cNvSpPr>
+          <p:nvPr>
+            <p:ph type="title"/>
+          </p:nvPr>
+        </p:nvSpPr>
+        <p:spPr/>
+        <p:txBody>
+          <a:bodyPr/>
+          <a:lstStyle/>
+          <a:p>
+            <a:r>
+              <a:rPr lang="en-US" dirty="0"/>
+              <a:t>Forecast of Flu for 2019</a:t>
+            </a:r>
+          </a:p>
+        </p:txBody>
+      </p:sp>
+      <p:sp>
+        <p:nvSpPr>
+          <p:cNvPr id="3" name="Content Placeholder 2">
+            <a:extLst>
+              <a:ext uri="{FF2B5EF4-FFF2-40B4-BE49-F238E27FC236}">
+                <a16:creationId xmlns:a16="http://schemas.microsoft.com/office/drawing/2014/main" id="{9F228E15-0286-475C-B9E6-282E0299EE1B}"/>
+              </a:ext>
+            </a:extLst>
+          </p:cNvPr>
+          <p:cNvSpPr>
+            <a:spLocks noGrp="1"/>
+          </p:cNvSpPr>
+          <p:nvPr>
+            <p:ph idx="1"/>
+          </p:nvPr>
+        </p:nvSpPr>
+        <p:spPr/>
+        <p:txBody>
+          <a:bodyPr/>
+          <a:lstStyle/>
+          <a:p>
+            <a:endParaRPr lang="en-US"/>
+          </a:p>
+        </p:txBody>
+      </p:sp>
+    </p:spTree>
+    <p:extLst>
+      <p:ext uri="{BB962C8B-B14F-4D97-AF65-F5344CB8AC3E}">
+        <p14:creationId xmlns:p14="http://schemas.microsoft.com/office/powerpoint/2010/main" val="4219582294"/>
+      </p:ext>
+    </p:extLst>
+  </p:cSld>
+  <p:clrMapOvr>
+    <a:masterClrMapping/>
+  </p:clrMapOvr>
+</p:sld>
+</file>
+
+<file path=ppt/slides/slide13.xml><?xml version="1.0" encoding="utf-8"?>
+<p:sld xmlns:a="http://schemas.openxmlformats.org/drawingml/2006/main" xmlns:r="http://schemas.openxmlformats.org/officeDocument/2006/relationships" xmlns:p="http://schemas.openxmlformats.org/presentationml/2006/main">
+  <p:cSld>
+    <p:spTree>
+      <p:nvGrpSpPr>
+        <p:cNvPr id="1" name=""/>
+        <p:cNvGrpSpPr/>
+        <p:nvPr/>
+      </p:nvGrpSpPr>
+      <p:grpSpPr>
+        <a:xfrm>
+          <a:off x="0" y="0"/>
+          <a:ext cx="0" cy="0"/>
+          <a:chOff x="0" y="0"/>
+          <a:chExt cx="0" cy="0"/>
+        </a:xfrm>
+      </p:grpSpPr>
+      <p:sp>
+        <p:nvSpPr>
+          <p:cNvPr id="2" name="Title 1">
+            <a:extLst>
+              <a:ext uri="{FF2B5EF4-FFF2-40B4-BE49-F238E27FC236}">
+                <a16:creationId xmlns:a16="http://schemas.microsoft.com/office/drawing/2014/main" id="{BBB69A01-3929-4987-B10B-3803C5F1A89B}"/>
+              </a:ext>
+            </a:extLst>
+          </p:cNvPr>
+          <p:cNvSpPr>
+            <a:spLocks noGrp="1"/>
+          </p:cNvSpPr>
+          <p:nvPr>
+            <p:ph type="title"/>
+          </p:nvPr>
+        </p:nvSpPr>
+        <p:spPr>
+          <a:xfrm>
+            <a:off x="1097280" y="286603"/>
+            <a:ext cx="10058400" cy="1450757"/>
+          </a:xfrm>
+        </p:spPr>
+        <p:txBody>
+          <a:bodyPr/>
+          <a:lstStyle/>
+          <a:p>
+            <a:r>
+              <a:rPr lang="en-US" dirty="0"/>
+              <a:t>Conclusion</a:t>
+            </a:r>
+          </a:p>
+        </p:txBody>
+      </p:sp>
+      <p:sp>
+        <p:nvSpPr>
+          <p:cNvPr id="3" name="Content Placeholder 2">
+            <a:extLst>
+              <a:ext uri="{FF2B5EF4-FFF2-40B4-BE49-F238E27FC236}">
+                <a16:creationId xmlns:a16="http://schemas.microsoft.com/office/drawing/2014/main" id="{4CB03D24-9A68-44E2-9989-D3EF0FB302B8}"/>
+              </a:ext>
+            </a:extLst>
+          </p:cNvPr>
+          <p:cNvSpPr>
+            <a:spLocks noGrp="1"/>
+          </p:cNvSpPr>
+          <p:nvPr>
+            <p:ph idx="1"/>
+          </p:nvPr>
+        </p:nvSpPr>
+        <p:spPr/>
+        <p:txBody>
+          <a:bodyPr/>
+          <a:lstStyle/>
+          <a:p>
+            <a:endParaRPr lang="en-US" dirty="0"/>
+          </a:p>
+        </p:txBody>
+      </p:sp>
+    </p:spTree>
+    <p:extLst>
+      <p:ext uri="{BB962C8B-B14F-4D97-AF65-F5344CB8AC3E}">
+        <p14:creationId xmlns:p14="http://schemas.microsoft.com/office/powerpoint/2010/main" val="3636879024"/>
+      </p:ext>
+    </p:extLst>
+  </p:cSld>
+  <p:clrMapOvr>
+    <a:masterClrMapping/>
+  </p:clrMapOvr>
+</p:sld>
+</file>
+
+<file path=ppt/slides/slide14.xml><?xml version="1.0" encoding="utf-8"?>
+<p:sld xmlns:a="http://schemas.openxmlformats.org/drawingml/2006/main" xmlns:r="http://schemas.openxmlformats.org/officeDocument/2006/relationships" xmlns:p="http://schemas.openxmlformats.org/presentationml/2006/main">
+  <p:cSld>
+    <p:spTree>
+      <p:nvGrpSpPr>
+        <p:cNvPr id="1" name=""/>
+        <p:cNvGrpSpPr/>
+        <p:nvPr/>
+      </p:nvGrpSpPr>
+      <p:grpSpPr>
+        <a:xfrm>
+          <a:off x="0" y="0"/>
+          <a:ext cx="0" cy="0"/>
+          <a:chOff x="0" y="0"/>
+          <a:chExt cx="0" cy="0"/>
+        </a:xfrm>
+      </p:grpSpPr>
+      <p:pic>
+        <p:nvPicPr>
+          <p:cNvPr id="2050" name="Picture 2" descr="Image result for influenza">
+            <a:extLst>
+              <a:ext uri="{FF2B5EF4-FFF2-40B4-BE49-F238E27FC236}">
+                <a16:creationId xmlns:a16="http://schemas.microsoft.com/office/drawing/2014/main" id="{093ED862-66FB-406C-98D6-115FE1B91B37}"/>
+              </a:ext>
+            </a:extLst>
+          </p:cNvPr>
+          <p:cNvPicPr>
+            <a:picLocks noChangeAspect="1" noChangeArrowheads="1"/>
+          </p:cNvPicPr>
+          <p:nvPr/>
+        </p:nvPicPr>
+        <p:blipFill>
+          <a:blip r:embed="rId2">
+            <a:extLst>
+              <a:ext uri="{28A0092B-C50C-407E-A947-70E740481C1C}">
+                <a14:useLocalDpi xmlns:a14="http://schemas.microsoft.com/office/drawing/2010/main" val="0"/>
+              </a:ext>
+            </a:extLst>
+          </a:blip>
+          <a:srcRect/>
+          <a:stretch>
+            <a:fillRect/>
+          </a:stretch>
+        </p:blipFill>
+        <p:spPr bwMode="auto">
+          <a:xfrm>
+            <a:off x="969818" y="285417"/>
+            <a:ext cx="10307781" cy="5882627"/>
+          </a:xfrm>
+          <a:prstGeom prst="rect">
+            <a:avLst/>
+          </a:prstGeom>
+          <a:noFill/>
+          <a:extLst>
+            <a:ext uri="{909E8E84-426E-40DD-AFC4-6F175D3DCCD1}">
+              <a14:hiddenFill xmlns:a14="http://schemas.microsoft.com/office/drawing/2010/main">
+                <a:solidFill>
+                  <a:srgbClr val="FFFFFF"/>
+                </a:solidFill>
+              </a14:hiddenFill>
+            </a:ext>
+          </a:extLst>
+        </p:spPr>
+      </p:pic>
+    </p:spTree>
+    <p:extLst>
+      <p:ext uri="{BB962C8B-B14F-4D97-AF65-F5344CB8AC3E}">
+        <p14:creationId xmlns:p14="http://schemas.microsoft.com/office/powerpoint/2010/main" val="3232330404"/>
+      </p:ext>
+    </p:extLst>
+  </p:cSld>
+  <p:clrMapOvr>
+    <a:masterClrMapping/>
+  </p:clrMapOvr>
+</p:sld>
+</file>
+
 <file path=ppt/slides/slide2.xml><?xml version="1.0" encoding="utf-8"?>
 <p:sld xmlns:a="http://schemas.openxmlformats.org/drawingml/2006/main" xmlns:r="http://schemas.openxmlformats.org/officeDocument/2006/relationships" xmlns:p="http://schemas.openxmlformats.org/presentationml/2006/main">
   <p:cSld>
@@ -9243,6 +9660,14 @@
 <file path=ppt/slides/slide3.xml><?xml version="1.0" encoding="utf-8"?>
 <p:sld xmlns:a="http://schemas.openxmlformats.org/drawingml/2006/main" xmlns:r="http://schemas.openxmlformats.org/officeDocument/2006/relationships" xmlns:p="http://schemas.openxmlformats.org/presentationml/2006/main">
   <p:cSld>
+    <p:bg>
+      <p:bgPr>
+        <a:solidFill>
+          <a:schemeClr val="bg1"/>
+        </a:solidFill>
+        <a:effectLst/>
+      </p:bgPr>
+    </p:bg>
     <p:spTree>
       <p:nvGrpSpPr>
         <p:cNvPr id="1" name=""/>
@@ -9257,6 +9682,212 @@
           <a:chExt cx="0" cy="0"/>
         </a:xfrm>
       </p:grpSpPr>
+      <p:sp useBgFill="1">
+        <p:nvSpPr>
+          <p:cNvPr id="71" name="Rectangle 70">
+            <a:extLst>
+              <a:ext uri="{FF2B5EF4-FFF2-40B4-BE49-F238E27FC236}">
+                <a16:creationId xmlns:a16="http://schemas.microsoft.com/office/drawing/2014/main" id="{B44C3061-D558-447B-A988-09ECE14461D7}"/>
+              </a:ext>
+            </a:extLst>
+          </p:cNvPr>
+          <p:cNvSpPr>
+            <a:spLocks noGrp="1" noRot="1" noChangeAspect="1" noMove="1" noResize="1" noEditPoints="1" noAdjustHandles="1" noChangeArrowheads="1" noChangeShapeType="1" noTextEdit="1"/>
+          </p:cNvSpPr>
+          <p:nvPr>
+            <p:extLst>
+              <p:ext uri="{386F3935-93C4-4BCD-93E2-E3B085C9AB24}">
+                <p16:designElem xmlns:p16="http://schemas.microsoft.com/office/powerpoint/2015/main" val="1"/>
+              </p:ext>
+            </p:extLst>
+          </p:nvPr>
+        </p:nvSpPr>
+        <p:spPr>
+          <a:xfrm>
+            <a:off x="0" y="0"/>
+            <a:ext cx="12186315" cy="6858000"/>
+          </a:xfrm>
+          <a:prstGeom prst="rect">
+            <a:avLst/>
+          </a:prstGeom>
+          <a:ln>
+            <a:noFill/>
+          </a:ln>
+        </p:spPr>
+        <p:style>
+          <a:lnRef idx="2">
+            <a:schemeClr val="accent6">
+              <a:shade val="50000"/>
+            </a:schemeClr>
+          </a:lnRef>
+          <a:fillRef idx="1001">
+            <a:schemeClr val="lt1"/>
+          </a:fillRef>
+          <a:effectRef idx="0">
+            <a:schemeClr val="accent6"/>
+          </a:effectRef>
+          <a:fontRef idx="minor">
+            <a:schemeClr val="lt1"/>
+          </a:fontRef>
+        </p:style>
+        <p:txBody>
+          <a:bodyPr rtlCol="0" anchor="ctr"/>
+          <a:lstStyle/>
+          <a:p>
+            <a:pPr algn="ctr"/>
+            <a:endParaRPr lang="en-US"/>
+          </a:p>
+        </p:txBody>
+      </p:sp>
+      <p:sp>
+        <p:nvSpPr>
+          <p:cNvPr id="73" name="Rectangle 72">
+            <a:extLst>
+              <a:ext uri="{FF2B5EF4-FFF2-40B4-BE49-F238E27FC236}">
+                <a16:creationId xmlns:a16="http://schemas.microsoft.com/office/drawing/2014/main" id="{59339771-9C8F-497E-8974-E09A86FEEB23}"/>
+              </a:ext>
+            </a:extLst>
+          </p:cNvPr>
+          <p:cNvSpPr>
+            <a:spLocks noGrp="1" noRot="1" noChangeAspect="1" noMove="1" noResize="1" noEditPoints="1" noAdjustHandles="1" noChangeArrowheads="1" noChangeShapeType="1" noTextEdit="1"/>
+          </p:cNvSpPr>
+          <p:nvPr>
+            <p:extLst>
+              <p:ext uri="{386F3935-93C4-4BCD-93E2-E3B085C9AB24}">
+                <p16:designElem xmlns:p16="http://schemas.microsoft.com/office/powerpoint/2015/main" val="1"/>
+              </p:ext>
+            </p:extLst>
+          </p:nvPr>
+        </p:nvSpPr>
+        <p:spPr>
+          <a:xfrm>
+            <a:off x="16" y="0"/>
+            <a:ext cx="4050791" cy="6858000"/>
+          </a:xfrm>
+          <a:prstGeom prst="rect">
+            <a:avLst/>
+          </a:prstGeom>
+          <a:solidFill>
+            <a:schemeClr val="accent2"/>
+          </a:solidFill>
+          <a:ln>
+            <a:noFill/>
+          </a:ln>
+        </p:spPr>
+        <p:style>
+          <a:lnRef idx="2">
+            <a:schemeClr val="accent1">
+              <a:shade val="50000"/>
+            </a:schemeClr>
+          </a:lnRef>
+          <a:fillRef idx="1">
+            <a:schemeClr val="accent1"/>
+          </a:fillRef>
+          <a:effectRef idx="0">
+            <a:schemeClr val="accent1"/>
+          </a:effectRef>
+          <a:fontRef idx="minor">
+            <a:schemeClr val="lt1"/>
+          </a:fontRef>
+        </p:style>
+      </p:sp>
+      <p:sp>
+        <p:nvSpPr>
+          <p:cNvPr id="75" name="Rectangle 74">
+            <a:extLst>
+              <a:ext uri="{FF2B5EF4-FFF2-40B4-BE49-F238E27FC236}">
+                <a16:creationId xmlns:a16="http://schemas.microsoft.com/office/drawing/2014/main" id="{BDB54B0B-6CFB-4B92-A5DC-5DCD05BE5B4D}"/>
+              </a:ext>
+            </a:extLst>
+          </p:cNvPr>
+          <p:cNvSpPr>
+            <a:spLocks noGrp="1" noRot="1" noChangeAspect="1" noMove="1" noResize="1" noEditPoints="1" noAdjustHandles="1" noChangeArrowheads="1" noChangeShapeType="1" noTextEdit="1"/>
+          </p:cNvSpPr>
+          <p:nvPr>
+            <p:extLst>
+              <p:ext uri="{386F3935-93C4-4BCD-93E2-E3B085C9AB24}">
+                <p16:designElem xmlns:p16="http://schemas.microsoft.com/office/powerpoint/2015/main" val="1"/>
+              </p:ext>
+            </p:extLst>
+          </p:nvPr>
+        </p:nvSpPr>
+        <p:spPr>
+          <a:xfrm>
+            <a:off x="4040071" y="0"/>
+            <a:ext cx="64008" cy="6858000"/>
+          </a:xfrm>
+          <a:prstGeom prst="rect">
+            <a:avLst/>
+          </a:prstGeom>
+          <a:solidFill>
+            <a:schemeClr val="accent1"/>
+          </a:solidFill>
+          <a:ln>
+            <a:noFill/>
+          </a:ln>
+        </p:spPr>
+        <p:style>
+          <a:lnRef idx="2">
+            <a:schemeClr val="accent1">
+              <a:shade val="50000"/>
+            </a:schemeClr>
+          </a:lnRef>
+          <a:fillRef idx="1">
+            <a:schemeClr val="accent1"/>
+          </a:fillRef>
+          <a:effectRef idx="0">
+            <a:schemeClr val="accent1"/>
+          </a:effectRef>
+          <a:fontRef idx="minor">
+            <a:schemeClr val="lt1"/>
+          </a:fontRef>
+        </p:style>
+      </p:sp>
+      <p:pic>
+        <p:nvPicPr>
+          <p:cNvPr id="3074" name="Picture 2" descr="Image result for influenza">
+            <a:extLst>
+              <a:ext uri="{FF2B5EF4-FFF2-40B4-BE49-F238E27FC236}">
+                <a16:creationId xmlns:a16="http://schemas.microsoft.com/office/drawing/2014/main" id="{66BEF7A3-1F62-464F-AC3D-9F75EF9ACAE1}"/>
+              </a:ext>
+            </a:extLst>
+          </p:cNvPr>
+          <p:cNvPicPr>
+            <a:picLocks noChangeAspect="1" noChangeArrowheads="1"/>
+          </p:cNvPicPr>
+          <p:nvPr/>
+        </p:nvPicPr>
+        <p:blipFill rotWithShape="1">
+          <a:blip r:embed="rId2">
+            <a:extLst>
+              <a:ext uri="{28A0092B-C50C-407E-A947-70E740481C1C}">
+                <a14:useLocalDpi xmlns:a14="http://schemas.microsoft.com/office/drawing/2010/main" val="0"/>
+              </a:ext>
+            </a:extLst>
+          </a:blip>
+          <a:srcRect l="11812" r="7085"/>
+          <a:stretch/>
+        </p:blipFill>
+        <p:spPr bwMode="auto">
+          <a:xfrm>
+            <a:off x="4742017" y="640080"/>
+            <a:ext cx="6798082" cy="5577840"/>
+          </a:xfrm>
+          <a:prstGeom prst="rect">
+            <a:avLst/>
+          </a:prstGeom>
+          <a:noFill/>
+          <a:extLst>
+            <a:ext uri="{909E8E84-426E-40DD-AFC4-6F175D3DCCD1}">
+              <a14:hiddenFill xmlns:a14="http://schemas.microsoft.com/office/drawing/2010/main">
+                <a:solidFill>
+                  <a:srgbClr val="FFFFFF"/>
+                </a:solidFill>
+              </a14:hiddenFill>
+            </a:ext>
+          </a:extLst>
+        </p:spPr>
+      </p:pic>
       <p:sp>
         <p:nvSpPr>
           <p:cNvPr id="2" name="Title 1">
@@ -9273,13 +9904,24 @@
             <p:ph type="title"/>
           </p:nvPr>
         </p:nvSpPr>
-        <p:spPr/>
-        <p:txBody>
-          <a:bodyPr/>
-          <a:lstStyle/>
-          <a:p>
-            <a:r>
-              <a:rPr lang="en-US" dirty="0"/>
+        <p:spPr>
+          <a:xfrm>
+            <a:off x="492370" y="516835"/>
+            <a:ext cx="3084844" cy="1129085"/>
+          </a:xfrm>
+        </p:spPr>
+        <p:txBody>
+          <a:bodyPr>
+            <a:noAutofit/>
+          </a:bodyPr>
+          <a:lstStyle/>
+          <a:p>
+            <a:r>
+              <a:rPr lang="en-US" sz="4400" b="1" dirty="0">
+                <a:solidFill>
+                  <a:srgbClr val="FFFFFF"/>
+                </a:solidFill>
+              </a:rPr>
               <a:t>Problem Definition</a:t>
             </a:r>
           </a:p>
@@ -9301,13 +9943,31 @@
             <p:ph idx="1"/>
           </p:nvPr>
         </p:nvSpPr>
-        <p:spPr/>
-        <p:txBody>
-          <a:bodyPr/>
-          <a:lstStyle/>
-          <a:p>
-            <a:r>
-              <a:rPr lang="en-US" dirty="0"/>
+        <p:spPr>
+          <a:xfrm>
+            <a:off x="492371" y="2653800"/>
+            <a:ext cx="3084844" cy="3335519"/>
+          </a:xfrm>
+        </p:spPr>
+        <p:txBody>
+          <a:bodyPr>
+            <a:normAutofit/>
+          </a:bodyPr>
+          <a:lstStyle/>
+          <a:p>
+            <a:endParaRPr lang="en-US" sz="1500" dirty="0">
+              <a:solidFill>
+                <a:srgbClr val="FFFFFF"/>
+              </a:solidFill>
+            </a:endParaRPr>
+          </a:p>
+          <a:p>
+            <a:r>
+              <a:rPr lang="en-US" sz="2800" dirty="0">
+                <a:solidFill>
+                  <a:srgbClr val="FFFFFF"/>
+                </a:solidFill>
+              </a:rPr>
               <a:t>Given the notoriety of the 2018 flu season, will 2019 will be worse?</a:t>
             </a:r>
           </a:p>
@@ -9348,7 +10008,7 @@
           <p:cNvPr id="2" name="Title 1">
             <a:extLst>
               <a:ext uri="{FF2B5EF4-FFF2-40B4-BE49-F238E27FC236}">
-                <a16:creationId xmlns:a16="http://schemas.microsoft.com/office/drawing/2014/main" id="{AD42D4EF-BFC5-4968-A3BC-5B630D8F956F}"/>
+                <a16:creationId xmlns:a16="http://schemas.microsoft.com/office/drawing/2014/main" id="{5FD02CD4-87CE-47F7-9B23-A91013FEAAD3}"/>
               </a:ext>
             </a:extLst>
           </p:cNvPr>
@@ -9366,7 +10026,7 @@
           <a:p>
             <a:r>
               <a:rPr lang="en-US" dirty="0"/>
-              <a:t>Data Used</a:t>
+              <a:t>Types of Flu Virus</a:t>
             </a:r>
           </a:p>
         </p:txBody>
@@ -9376,7 +10036,7 @@
           <p:cNvPr id="3" name="Content Placeholder 2">
             <a:extLst>
               <a:ext uri="{FF2B5EF4-FFF2-40B4-BE49-F238E27FC236}">
-                <a16:creationId xmlns:a16="http://schemas.microsoft.com/office/drawing/2014/main" id="{2CC445BD-5D51-44B8-9104-92E1A1F1A20D}"/>
+                <a16:creationId xmlns:a16="http://schemas.microsoft.com/office/drawing/2014/main" id="{D541AD52-5251-4111-B01E-A24594F11A5F}"/>
               </a:ext>
             </a:extLst>
           </p:cNvPr>
@@ -9400,22 +10060,141 @@
             </a:pPr>
             <a:r>
               <a:rPr lang="en-US" dirty="0"/>
-              <a:t>  CDC Flu Data</a:t>
-            </a:r>
-          </a:p>
-          <a:p>
-            <a:pPr>
+              <a:t>Two main types of flu virus</a:t>
+            </a:r>
+          </a:p>
+          <a:p>
+            <a:pPr lvl="1">
               <a:buFont typeface="Wingdings" panose="05000000000000000000" pitchFamily="2" charset="2"/>
               <a:buChar char="Ø"/>
             </a:pPr>
+            <a:r>
+              <a:rPr lang="en-US" dirty="0"/>
+              <a:t>Type A</a:t>
+            </a:r>
+          </a:p>
+          <a:p>
+            <a:pPr lvl="2">
+              <a:buFont typeface="Wingdings" panose="05000000000000000000" pitchFamily="2" charset="2"/>
+              <a:buChar char="Ø"/>
+            </a:pPr>
+            <a:r>
+              <a:rPr lang="en-US" dirty="0"/>
+              <a:t>Categorized by two external proteins on the surface of the virus, hemagglutinin (H) and the neuraminidase (N)</a:t>
+            </a:r>
+          </a:p>
+          <a:p>
+            <a:pPr lvl="2">
+              <a:buFont typeface="Wingdings" panose="05000000000000000000" pitchFamily="2" charset="2"/>
+              <a:buChar char="Ø"/>
+            </a:pPr>
+            <a:r>
+              <a:rPr lang="en-US" dirty="0"/>
+              <a:t>18 types of hemagglutinin and 11 types of neuraminidase (198 combinations)</a:t>
+            </a:r>
+          </a:p>
+          <a:p>
+            <a:pPr lvl="2">
+              <a:buFont typeface="Wingdings" panose="05000000000000000000" pitchFamily="2" charset="2"/>
+              <a:buChar char="Ø"/>
+            </a:pPr>
+            <a:r>
+              <a:rPr lang="en-US" dirty="0"/>
+              <a:t>Found in both animals and humans</a:t>
+            </a:r>
+          </a:p>
+          <a:p>
+            <a:pPr lvl="3">
+              <a:buFont typeface="Wingdings" panose="05000000000000000000" pitchFamily="2" charset="2"/>
+              <a:buChar char="Ø"/>
+            </a:pPr>
+            <a:r>
+              <a:rPr lang="en-US" dirty="0"/>
+              <a:t>e.g. H1N1 – “Swine Flu”, H7N4 – “Avian Flu”</a:t>
+            </a:r>
+          </a:p>
+          <a:p>
+            <a:pPr lvl="2">
+              <a:buFont typeface="Wingdings" panose="05000000000000000000" pitchFamily="2" charset="2"/>
+              <a:buChar char="Ø"/>
+            </a:pPr>
+            <a:r>
+              <a:rPr lang="en-US" dirty="0"/>
+              <a:t>Pandemic Strains</a:t>
+            </a:r>
+          </a:p>
+          <a:p>
+            <a:pPr marL="201168" lvl="1" indent="0">
+              <a:buNone/>
+            </a:pPr>
             <a:endParaRPr lang="en-US" dirty="0"/>
+          </a:p>
+          <a:p>
+            <a:pPr lvl="1">
+              <a:buFont typeface="Wingdings" panose="05000000000000000000" pitchFamily="2" charset="2"/>
+              <a:buChar char="Ø"/>
+            </a:pPr>
+            <a:r>
+              <a:rPr lang="en-US" dirty="0"/>
+              <a:t>Type B</a:t>
+            </a:r>
+          </a:p>
+          <a:p>
+            <a:pPr lvl="2">
+              <a:buFont typeface="Wingdings" panose="05000000000000000000" pitchFamily="2" charset="2"/>
+              <a:buChar char="Ø"/>
+            </a:pPr>
+            <a:r>
+              <a:rPr lang="en-US" dirty="0"/>
+              <a:t>Two key lineages</a:t>
+            </a:r>
+          </a:p>
+          <a:p>
+            <a:pPr lvl="3">
+              <a:buFont typeface="Wingdings" panose="05000000000000000000" pitchFamily="2" charset="2"/>
+              <a:buChar char="Ø"/>
+            </a:pPr>
+            <a:r>
+              <a:rPr lang="en-US" dirty="0"/>
+              <a:t>Yamagata</a:t>
+            </a:r>
+          </a:p>
+          <a:p>
+            <a:pPr lvl="3">
+              <a:buFont typeface="Wingdings" panose="05000000000000000000" pitchFamily="2" charset="2"/>
+              <a:buChar char="Ø"/>
+            </a:pPr>
+            <a:r>
+              <a:rPr lang="en-US" dirty="0"/>
+              <a:t>Victoria</a:t>
+            </a:r>
+          </a:p>
+          <a:p>
+            <a:pPr lvl="2">
+              <a:buFont typeface="Wingdings" panose="05000000000000000000" pitchFamily="2" charset="2"/>
+              <a:buChar char="Ø"/>
+            </a:pPr>
+            <a:r>
+              <a:rPr lang="en-US" dirty="0"/>
+              <a:t>Only found in humans</a:t>
+            </a:r>
+          </a:p>
+          <a:p>
+            <a:pPr lvl="2">
+              <a:buFont typeface="Wingdings" panose="05000000000000000000" pitchFamily="2" charset="2"/>
+              <a:buChar char="Ø"/>
+            </a:pPr>
+            <a:r>
+              <a:rPr lang="en-US" dirty="0"/>
+              <a:t>Not believed to cause pandemics</a:t>
+            </a:r>
           </a:p>
         </p:txBody>
       </p:sp>
     </p:spTree>
     <p:extLst>
       <p:ext uri="{BB962C8B-B14F-4D97-AF65-F5344CB8AC3E}">
-        <p14:creationId xmlns:p14="http://schemas.microsoft.com/office/powerpoint/2010/main" val="3593061565"/>
+        <p14:creationId xmlns:p14="http://schemas.microsoft.com/office/powerpoint/2010/main" val="3080112918"/>
       </p:ext>
     </p:extLst>
   </p:cSld>
@@ -9447,7 +10226,7 @@
           <p:cNvPr id="2" name="Title 1">
             <a:extLst>
               <a:ext uri="{FF2B5EF4-FFF2-40B4-BE49-F238E27FC236}">
-                <a16:creationId xmlns:a16="http://schemas.microsoft.com/office/drawing/2014/main" id="{9CB2B880-C22E-4744-8985-893542595B7B}"/>
+                <a16:creationId xmlns:a16="http://schemas.microsoft.com/office/drawing/2014/main" id="{AD42D4EF-BFC5-4968-A3BC-5B630D8F956F}"/>
               </a:ext>
             </a:extLst>
           </p:cNvPr>
@@ -9465,7 +10244,7 @@
           <a:p>
             <a:r>
               <a:rPr lang="en-US" dirty="0"/>
-              <a:t>Analysis of Flu Data</a:t>
+              <a:t>Data Used</a:t>
             </a:r>
           </a:p>
         </p:txBody>
@@ -9475,7 +10254,7 @@
           <p:cNvPr id="3" name="Content Placeholder 2">
             <a:extLst>
               <a:ext uri="{FF2B5EF4-FFF2-40B4-BE49-F238E27FC236}">
-                <a16:creationId xmlns:a16="http://schemas.microsoft.com/office/drawing/2014/main" id="{878886B6-A57F-4DCD-91C7-2DCEBF2F9EE5}"/>
+                <a16:creationId xmlns:a16="http://schemas.microsoft.com/office/drawing/2014/main" id="{2CC445BD-5D51-44B8-9104-92E1A1F1A20D}"/>
               </a:ext>
             </a:extLst>
           </p:cNvPr>
@@ -9488,17 +10267,60 @@
         </p:nvSpPr>
         <p:spPr/>
         <p:txBody>
-          <a:bodyPr/>
-          <a:lstStyle/>
-          <a:p>
-            <a:endParaRPr lang="en-US"/>
+          <a:bodyPr>
+            <a:normAutofit/>
+          </a:bodyPr>
+          <a:lstStyle/>
+          <a:p>
+            <a:pPr>
+              <a:buFont typeface="Wingdings" panose="05000000000000000000" pitchFamily="2" charset="2"/>
+              <a:buChar char="Ø"/>
+            </a:pPr>
+            <a:r>
+              <a:rPr lang="en-US" dirty="0"/>
+              <a:t>  World Health Organization – Flu Data</a:t>
+            </a:r>
+          </a:p>
+          <a:p>
+            <a:pPr lvl="1">
+              <a:buFont typeface="Wingdings" panose="05000000000000000000" pitchFamily="2" charset="2"/>
+              <a:buChar char="Ø"/>
+            </a:pPr>
+            <a:r>
+              <a:rPr lang="en-US" dirty="0">
+                <a:hlinkClick r:id="rId2"/>
+              </a:rPr>
+              <a:t>http://apps.who.int/flumart</a:t>
+            </a:r>
+            <a:endParaRPr lang="en-US" dirty="0"/>
+          </a:p>
+          <a:p>
+            <a:pPr lvl="1">
+              <a:buFont typeface="Wingdings" panose="05000000000000000000" pitchFamily="2" charset="2"/>
+              <a:buChar char="Ø"/>
+            </a:pPr>
+            <a:endParaRPr lang="en-US" dirty="0"/>
+          </a:p>
+          <a:p>
+            <a:pPr>
+              <a:buFont typeface="Wingdings" panose="05000000000000000000" pitchFamily="2" charset="2"/>
+              <a:buChar char="Ø"/>
+            </a:pPr>
+            <a:endParaRPr lang="en-US" dirty="0"/>
+          </a:p>
+          <a:p>
+            <a:pPr>
+              <a:buFont typeface="Wingdings" panose="05000000000000000000" pitchFamily="2" charset="2"/>
+              <a:buChar char="Ø"/>
+            </a:pPr>
+            <a:endParaRPr lang="en-US" dirty="0"/>
           </a:p>
         </p:txBody>
       </p:sp>
     </p:spTree>
     <p:extLst>
       <p:ext uri="{BB962C8B-B14F-4D97-AF65-F5344CB8AC3E}">
-        <p14:creationId xmlns:p14="http://schemas.microsoft.com/office/powerpoint/2010/main" val="2814305385"/>
+        <p14:creationId xmlns:p14="http://schemas.microsoft.com/office/powerpoint/2010/main" val="3593061565"/>
       </p:ext>
     </p:extLst>
   </p:cSld>
@@ -9530,7 +10352,7 @@
           <p:cNvPr id="2" name="Title 1">
             <a:extLst>
               <a:ext uri="{FF2B5EF4-FFF2-40B4-BE49-F238E27FC236}">
-                <a16:creationId xmlns:a16="http://schemas.microsoft.com/office/drawing/2014/main" id="{2B79D637-1C4A-41B4-8F08-3427874E8F9F}"/>
+                <a16:creationId xmlns:a16="http://schemas.microsoft.com/office/drawing/2014/main" id="{9CB2B880-C22E-4744-8985-893542595B7B}"/>
               </a:ext>
             </a:extLst>
           </p:cNvPr>
@@ -9548,7 +10370,7 @@
           <a:p>
             <a:r>
               <a:rPr lang="en-US" dirty="0"/>
-              <a:t>Model of Flu Data</a:t>
+              <a:t>Analysis of Flu Data</a:t>
             </a:r>
           </a:p>
         </p:txBody>
@@ -9558,7 +10380,7 @@
           <p:cNvPr id="3" name="Content Placeholder 2">
             <a:extLst>
               <a:ext uri="{FF2B5EF4-FFF2-40B4-BE49-F238E27FC236}">
-                <a16:creationId xmlns:a16="http://schemas.microsoft.com/office/drawing/2014/main" id="{39D8A681-025C-49F1-8A0C-64A906755EA6}"/>
+                <a16:creationId xmlns:a16="http://schemas.microsoft.com/office/drawing/2014/main" id="{878886B6-A57F-4DCD-91C7-2DCEBF2F9EE5}"/>
               </a:ext>
             </a:extLst>
           </p:cNvPr>
@@ -9581,7 +10403,7 @@
     </p:spTree>
     <p:extLst>
       <p:ext uri="{BB962C8B-B14F-4D97-AF65-F5344CB8AC3E}">
-        <p14:creationId xmlns:p14="http://schemas.microsoft.com/office/powerpoint/2010/main" val="3492720234"/>
+        <p14:creationId xmlns:p14="http://schemas.microsoft.com/office/powerpoint/2010/main" val="2814305385"/>
       </p:ext>
     </p:extLst>
   </p:cSld>
@@ -9594,6 +10416,14 @@
 <file path=ppt/slides/slide7.xml><?xml version="1.0" encoding="utf-8"?>
 <p:sld xmlns:a="http://schemas.openxmlformats.org/drawingml/2006/main" xmlns:r="http://schemas.openxmlformats.org/officeDocument/2006/relationships" xmlns:p="http://schemas.openxmlformats.org/presentationml/2006/main">
   <p:cSld>
+    <p:bg>
+      <p:bgPr>
+        <a:solidFill>
+          <a:schemeClr val="bg1"/>
+        </a:solidFill>
+        <a:effectLst/>
+      </p:bgPr>
+    </p:bg>
     <p:spTree>
       <p:nvGrpSpPr>
         <p:cNvPr id="1" name=""/>
@@ -9608,12 +10438,208 @@
           <a:chExt cx="0" cy="0"/>
         </a:xfrm>
       </p:grpSpPr>
+      <p:sp useBgFill="1">
+        <p:nvSpPr>
+          <p:cNvPr id="14" name="Rectangle 13">
+            <a:extLst>
+              <a:ext uri="{FF2B5EF4-FFF2-40B4-BE49-F238E27FC236}">
+                <a16:creationId xmlns:a16="http://schemas.microsoft.com/office/drawing/2014/main" id="{B44C3061-D558-447B-A988-09ECE14461D7}"/>
+              </a:ext>
+            </a:extLst>
+          </p:cNvPr>
+          <p:cNvSpPr>
+            <a:spLocks noGrp="1" noRot="1" noChangeAspect="1" noMove="1" noResize="1" noEditPoints="1" noAdjustHandles="1" noChangeArrowheads="1" noChangeShapeType="1" noTextEdit="1"/>
+          </p:cNvSpPr>
+          <p:nvPr>
+            <p:extLst>
+              <p:ext uri="{386F3935-93C4-4BCD-93E2-E3B085C9AB24}">
+                <p16:designElem xmlns:p16="http://schemas.microsoft.com/office/powerpoint/2015/main" val="1"/>
+              </p:ext>
+            </p:extLst>
+          </p:nvPr>
+        </p:nvSpPr>
+        <p:spPr>
+          <a:xfrm>
+            <a:off x="0" y="0"/>
+            <a:ext cx="12186315" cy="6858000"/>
+          </a:xfrm>
+          <a:prstGeom prst="rect">
+            <a:avLst/>
+          </a:prstGeom>
+          <a:ln>
+            <a:noFill/>
+          </a:ln>
+        </p:spPr>
+        <p:style>
+          <a:lnRef idx="2">
+            <a:schemeClr val="accent6">
+              <a:shade val="50000"/>
+            </a:schemeClr>
+          </a:lnRef>
+          <a:fillRef idx="1001">
+            <a:schemeClr val="lt1"/>
+          </a:fillRef>
+          <a:effectRef idx="0">
+            <a:schemeClr val="accent6"/>
+          </a:effectRef>
+          <a:fontRef idx="minor">
+            <a:schemeClr val="lt1"/>
+          </a:fontRef>
+        </p:style>
+        <p:txBody>
+          <a:bodyPr rtlCol="0" anchor="ctr"/>
+          <a:lstStyle/>
+          <a:p>
+            <a:pPr algn="ctr"/>
+            <a:endParaRPr lang="en-US"/>
+          </a:p>
+        </p:txBody>
+      </p:sp>
+      <p:sp>
+        <p:nvSpPr>
+          <p:cNvPr id="16" name="Rectangle 15">
+            <a:extLst>
+              <a:ext uri="{FF2B5EF4-FFF2-40B4-BE49-F238E27FC236}">
+                <a16:creationId xmlns:a16="http://schemas.microsoft.com/office/drawing/2014/main" id="{59339771-9C8F-497E-8974-E09A86FEEB23}"/>
+              </a:ext>
+            </a:extLst>
+          </p:cNvPr>
+          <p:cNvSpPr>
+            <a:spLocks noGrp="1" noRot="1" noChangeAspect="1" noMove="1" noResize="1" noEditPoints="1" noAdjustHandles="1" noChangeArrowheads="1" noChangeShapeType="1" noTextEdit="1"/>
+          </p:cNvSpPr>
+          <p:nvPr>
+            <p:extLst>
+              <p:ext uri="{386F3935-93C4-4BCD-93E2-E3B085C9AB24}">
+                <p16:designElem xmlns:p16="http://schemas.microsoft.com/office/powerpoint/2015/main" val="1"/>
+              </p:ext>
+            </p:extLst>
+          </p:nvPr>
+        </p:nvSpPr>
+        <p:spPr>
+          <a:xfrm>
+            <a:off x="16" y="0"/>
+            <a:ext cx="4050791" cy="6858000"/>
+          </a:xfrm>
+          <a:prstGeom prst="rect">
+            <a:avLst/>
+          </a:prstGeom>
+          <a:solidFill>
+            <a:schemeClr val="accent2"/>
+          </a:solidFill>
+          <a:ln>
+            <a:noFill/>
+          </a:ln>
+        </p:spPr>
+        <p:style>
+          <a:lnRef idx="2">
+            <a:schemeClr val="accent1">
+              <a:shade val="50000"/>
+            </a:schemeClr>
+          </a:lnRef>
+          <a:fillRef idx="1">
+            <a:schemeClr val="accent1"/>
+          </a:fillRef>
+          <a:effectRef idx="0">
+            <a:schemeClr val="accent1"/>
+          </a:effectRef>
+          <a:fontRef idx="minor">
+            <a:schemeClr val="lt1"/>
+          </a:fontRef>
+        </p:style>
+      </p:sp>
+      <p:sp>
+        <p:nvSpPr>
+          <p:cNvPr id="18" name="Rectangle 17">
+            <a:extLst>
+              <a:ext uri="{FF2B5EF4-FFF2-40B4-BE49-F238E27FC236}">
+                <a16:creationId xmlns:a16="http://schemas.microsoft.com/office/drawing/2014/main" id="{BDB54B0B-6CFB-4B92-A5DC-5DCD05BE5B4D}"/>
+              </a:ext>
+            </a:extLst>
+          </p:cNvPr>
+          <p:cNvSpPr>
+            <a:spLocks noGrp="1" noRot="1" noChangeAspect="1" noMove="1" noResize="1" noEditPoints="1" noAdjustHandles="1" noChangeArrowheads="1" noChangeShapeType="1" noTextEdit="1"/>
+          </p:cNvSpPr>
+          <p:nvPr>
+            <p:extLst>
+              <p:ext uri="{386F3935-93C4-4BCD-93E2-E3B085C9AB24}">
+                <p16:designElem xmlns:p16="http://schemas.microsoft.com/office/powerpoint/2015/main" val="1"/>
+              </p:ext>
+            </p:extLst>
+          </p:nvPr>
+        </p:nvSpPr>
+        <p:spPr>
+          <a:xfrm>
+            <a:off x="4040071" y="0"/>
+            <a:ext cx="64008" cy="6858000"/>
+          </a:xfrm>
+          <a:prstGeom prst="rect">
+            <a:avLst/>
+          </a:prstGeom>
+          <a:solidFill>
+            <a:schemeClr val="accent1"/>
+          </a:solidFill>
+          <a:ln>
+            <a:noFill/>
+          </a:ln>
+        </p:spPr>
+        <p:style>
+          <a:lnRef idx="2">
+            <a:schemeClr val="accent1">
+              <a:shade val="50000"/>
+            </a:schemeClr>
+          </a:lnRef>
+          <a:fillRef idx="1">
+            <a:schemeClr val="accent1"/>
+          </a:fillRef>
+          <a:effectRef idx="0">
+            <a:schemeClr val="accent1"/>
+          </a:effectRef>
+          <a:fontRef idx="minor">
+            <a:schemeClr val="lt1"/>
+          </a:fontRef>
+        </p:style>
+      </p:sp>
+      <p:pic>
+        <p:nvPicPr>
+          <p:cNvPr id="9" name="Content Placeholder 5">
+            <a:extLst>
+              <a:ext uri="{FF2B5EF4-FFF2-40B4-BE49-F238E27FC236}">
+                <a16:creationId xmlns:a16="http://schemas.microsoft.com/office/drawing/2014/main" id="{86623FA2-6242-4033-82DE-71D689CE1B86}"/>
+              </a:ext>
+            </a:extLst>
+          </p:cNvPr>
+          <p:cNvPicPr>
+            <a:picLocks noChangeAspect="1"/>
+          </p:cNvPicPr>
+          <p:nvPr/>
+        </p:nvPicPr>
+        <p:blipFill rotWithShape="1">
+          <a:blip r:embed="rId2">
+            <a:extLst>
+              <a:ext uri="{28A0092B-C50C-407E-A947-70E740481C1C}">
+                <a14:useLocalDpi xmlns:a14="http://schemas.microsoft.com/office/drawing/2010/main" val="0"/>
+              </a:ext>
+            </a:extLst>
+          </a:blip>
+          <a:srcRect r="636" b="-1"/>
+          <a:stretch/>
+        </p:blipFill>
+        <p:spPr>
+          <a:xfrm>
+            <a:off x="4742017" y="640080"/>
+            <a:ext cx="6798082" cy="5577840"/>
+          </a:xfrm>
+          <a:prstGeom prst="rect">
+            <a:avLst/>
+          </a:prstGeom>
+        </p:spPr>
+      </p:pic>
       <p:sp>
         <p:nvSpPr>
           <p:cNvPr id="2" name="Title 1">
             <a:extLst>
               <a:ext uri="{FF2B5EF4-FFF2-40B4-BE49-F238E27FC236}">
-                <a16:creationId xmlns:a16="http://schemas.microsoft.com/office/drawing/2014/main" id="{DC8963B3-E817-430D-9BEE-E0F2BE19BBB0}"/>
+                <a16:creationId xmlns:a16="http://schemas.microsoft.com/office/drawing/2014/main" id="{F0E46C7B-E499-42DE-8018-3A874B279E51}"/>
               </a:ext>
             </a:extLst>
           </p:cNvPr>
@@ -9624,27 +10650,32 @@
             <p:ph type="title"/>
           </p:nvPr>
         </p:nvSpPr>
-        <p:spPr/>
-        <p:txBody>
-          <a:bodyPr/>
-          <a:lstStyle/>
-          <a:p>
-            <a:r>
-              <a:rPr lang="en-US" dirty="0"/>
-              <a:t>Forecast of Flu for 2019</a:t>
-            </a:r>
-          </a:p>
-        </p:txBody>
-      </p:sp>
-      <p:sp>
-        <p:nvSpPr>
-          <p:cNvPr id="3" name="Content Placeholder 2">
-            <a:extLst>
-              <a:ext uri="{FF2B5EF4-FFF2-40B4-BE49-F238E27FC236}">
-                <a16:creationId xmlns:a16="http://schemas.microsoft.com/office/drawing/2014/main" id="{9F228E15-0286-475C-B9E6-282E0299EE1B}"/>
-              </a:ext>
-            </a:extLst>
-          </p:cNvPr>
+        <p:spPr>
+          <a:xfrm>
+            <a:off x="492370" y="516835"/>
+            <a:ext cx="3084844" cy="2103875"/>
+          </a:xfrm>
+        </p:spPr>
+        <p:txBody>
+          <a:bodyPr>
+            <a:normAutofit/>
+          </a:bodyPr>
+          <a:lstStyle/>
+          <a:p>
+            <a:r>
+              <a:rPr lang="en-US" sz="3600">
+                <a:solidFill>
+                  <a:srgbClr val="FFFFFF"/>
+                </a:solidFill>
+              </a:rPr>
+              <a:t>Flu Cases – All types since 2009</a:t>
+            </a:r>
+          </a:p>
+        </p:txBody>
+      </p:sp>
+      <p:sp>
+        <p:nvSpPr>
+          <p:cNvPr id="11" name="Content Placeholder 10"/>
           <p:cNvSpPr>
             <a:spLocks noGrp="1"/>
           </p:cNvSpPr>
@@ -9652,19 +10683,40 @@
             <p:ph idx="1"/>
           </p:nvPr>
         </p:nvSpPr>
-        <p:spPr/>
-        <p:txBody>
-          <a:bodyPr/>
-          <a:lstStyle/>
-          <a:p>
-            <a:endParaRPr lang="en-US"/>
+        <p:spPr>
+          <a:xfrm>
+            <a:off x="492371" y="2653800"/>
+            <a:ext cx="3084844" cy="3335519"/>
+          </a:xfrm>
+        </p:spPr>
+        <p:txBody>
+          <a:bodyPr>
+            <a:normAutofit/>
+          </a:bodyPr>
+          <a:lstStyle/>
+          <a:p>
+            <a:endParaRPr lang="en-US" sz="1500" dirty="0">
+              <a:solidFill>
+                <a:srgbClr val="FFFFFF"/>
+              </a:solidFill>
+            </a:endParaRPr>
+          </a:p>
+          <a:p>
+            <a:r>
+              <a:rPr lang="en-US" sz="1500" dirty="0">
+                <a:solidFill>
+                  <a:srgbClr val="FFFFFF"/>
+                </a:solidFill>
+              </a:rPr>
+              <a:t>Clear increase in </a:t>
+            </a:r>
           </a:p>
         </p:txBody>
       </p:sp>
     </p:spTree>
     <p:extLst>
       <p:ext uri="{BB962C8B-B14F-4D97-AF65-F5344CB8AC3E}">
-        <p14:creationId xmlns:p14="http://schemas.microsoft.com/office/powerpoint/2010/main" val="4219582294"/>
+        <p14:creationId xmlns:p14="http://schemas.microsoft.com/office/powerpoint/2010/main" val="3705946447"/>
       </p:ext>
     </p:extLst>
   </p:cSld>
@@ -9696,7 +10748,7 @@
           <p:cNvPr id="2" name="Title 1">
             <a:extLst>
               <a:ext uri="{FF2B5EF4-FFF2-40B4-BE49-F238E27FC236}">
-                <a16:creationId xmlns:a16="http://schemas.microsoft.com/office/drawing/2014/main" id="{BBB69A01-3929-4987-B10B-3803C5F1A89B}"/>
+                <a16:creationId xmlns:a16="http://schemas.microsoft.com/office/drawing/2014/main" id="{2144F200-C9D3-4EE6-ABBB-158D563C726C}"/>
               </a:ext>
             </a:extLst>
           </p:cNvPr>
@@ -9712,10 +10764,7 @@
           <a:bodyPr/>
           <a:lstStyle/>
           <a:p>
-            <a:r>
-              <a:rPr lang="en-US" dirty="0"/>
-              <a:t>Conclusion</a:t>
-            </a:r>
+            <a:endParaRPr lang="en-US"/>
           </a:p>
         </p:txBody>
       </p:sp>
@@ -9724,7 +10773,7 @@
           <p:cNvPr id="3" name="Content Placeholder 2">
             <a:extLst>
               <a:ext uri="{FF2B5EF4-FFF2-40B4-BE49-F238E27FC236}">
-                <a16:creationId xmlns:a16="http://schemas.microsoft.com/office/drawing/2014/main" id="{4CB03D24-9A68-44E2-9989-D3EF0FB302B8}"/>
+                <a16:creationId xmlns:a16="http://schemas.microsoft.com/office/drawing/2014/main" id="{C96D4298-3C07-4A9B-9B4F-A3011DFF3F88}"/>
               </a:ext>
             </a:extLst>
           </p:cNvPr>
@@ -9747,7 +10796,87 @@
     </p:spTree>
     <p:extLst>
       <p:ext uri="{BB962C8B-B14F-4D97-AF65-F5344CB8AC3E}">
-        <p14:creationId xmlns:p14="http://schemas.microsoft.com/office/powerpoint/2010/main" val="3636879024"/>
+        <p14:creationId xmlns:p14="http://schemas.microsoft.com/office/powerpoint/2010/main" val="2322075096"/>
+      </p:ext>
+    </p:extLst>
+  </p:cSld>
+  <p:clrMapOvr>
+    <a:masterClrMapping/>
+  </p:clrMapOvr>
+</p:sld>
+</file>
+
+<file path=ppt/slides/slide9.xml><?xml version="1.0" encoding="utf-8"?>
+<p:sld xmlns:a="http://schemas.openxmlformats.org/drawingml/2006/main" xmlns:r="http://schemas.openxmlformats.org/officeDocument/2006/relationships" xmlns:p="http://schemas.openxmlformats.org/presentationml/2006/main">
+  <p:cSld>
+    <p:spTree>
+      <p:nvGrpSpPr>
+        <p:cNvPr id="1" name=""/>
+        <p:cNvGrpSpPr/>
+        <p:nvPr/>
+      </p:nvGrpSpPr>
+      <p:grpSpPr>
+        <a:xfrm>
+          <a:off x="0" y="0"/>
+          <a:ext cx="0" cy="0"/>
+          <a:chOff x="0" y="0"/>
+          <a:chExt cx="0" cy="0"/>
+        </a:xfrm>
+      </p:grpSpPr>
+      <p:sp>
+        <p:nvSpPr>
+          <p:cNvPr id="2" name="Title 1">
+            <a:extLst>
+              <a:ext uri="{FF2B5EF4-FFF2-40B4-BE49-F238E27FC236}">
+                <a16:creationId xmlns:a16="http://schemas.microsoft.com/office/drawing/2014/main" id="{D3947677-3451-4AF5-B727-D823C0F0ECA7}"/>
+              </a:ext>
+            </a:extLst>
+          </p:cNvPr>
+          <p:cNvSpPr>
+            <a:spLocks noGrp="1"/>
+          </p:cNvSpPr>
+          <p:nvPr>
+            <p:ph type="title"/>
+          </p:nvPr>
+        </p:nvSpPr>
+        <p:spPr/>
+        <p:txBody>
+          <a:bodyPr/>
+          <a:lstStyle/>
+          <a:p>
+            <a:endParaRPr lang="en-US"/>
+          </a:p>
+        </p:txBody>
+      </p:sp>
+      <p:sp>
+        <p:nvSpPr>
+          <p:cNvPr id="3" name="Content Placeholder 2">
+            <a:extLst>
+              <a:ext uri="{FF2B5EF4-FFF2-40B4-BE49-F238E27FC236}">
+                <a16:creationId xmlns:a16="http://schemas.microsoft.com/office/drawing/2014/main" id="{50262F67-B726-4243-8284-922A9A6CAF5B}"/>
+              </a:ext>
+            </a:extLst>
+          </p:cNvPr>
+          <p:cNvSpPr>
+            <a:spLocks noGrp="1"/>
+          </p:cNvSpPr>
+          <p:nvPr>
+            <p:ph idx="1"/>
+          </p:nvPr>
+        </p:nvSpPr>
+        <p:spPr/>
+        <p:txBody>
+          <a:bodyPr/>
+          <a:lstStyle/>
+          <a:p>
+            <a:endParaRPr lang="en-US"/>
+          </a:p>
+        </p:txBody>
+      </p:sp>
+    </p:spTree>
+    <p:extLst>
+      <p:ext uri="{BB962C8B-B14F-4D97-AF65-F5344CB8AC3E}">
+        <p14:creationId xmlns:p14="http://schemas.microsoft.com/office/powerpoint/2010/main" val="1893221531"/>
       </p:ext>
     </p:extLst>
   </p:cSld>
